--- a/Documentation/Emanon_PowerPoint.pptx
+++ b/Documentation/Emanon_PowerPoint.pptx
@@ -122,7 +122,7 @@
   </p:defaultTextStyle>
   <p:extLst>
     <p:ext uri="{EFAFB233-063F-42B5-8137-9DF3F51BA10A}">
-      <p15:sldGuideLst xmlns:p15="http://schemas.microsoft.com/office/powerpoint/2012/main">
+      <p15:sldGuideLst xmlns:p15="http://schemas.microsoft.com/office/powerpoint/2012/main" xmlns="">
         <p15:guide id="1" orient="horz" pos="2160" userDrawn="1">
           <p15:clr>
             <a:srgbClr val="A4A3A4"/>
@@ -141,7 +141,7 @@
       </p15:sldGuideLst>
     </p:ext>
     <p:ext uri="{2D200454-40CA-4A62-9FC3-DE9A4176ACB9}">
-      <p15:notesGuideLst xmlns:p15="http://schemas.microsoft.com/office/powerpoint/2012/main"/>
+      <p15:notesGuideLst xmlns:p15="http://schemas.microsoft.com/office/powerpoint/2012/main" xmlns=""/>
     </p:ext>
   </p:extLst>
 </p:presentation>
@@ -3836,7 +3836,7 @@
   </mc:AlternateContent>
   <p:extLst mod="1">
     <p:ext uri="{DCECCB84-F9BA-43D5-87BE-67443E8EF086}">
-      <p15:sldGuideLst xmlns:p15="http://schemas.microsoft.com/office/powerpoint/2012/main">
+      <p15:sldGuideLst xmlns:p15="http://schemas.microsoft.com/office/powerpoint/2012/main" xmlns="">
         <p15:guide id="0" orient="horz" pos="2160" userDrawn="1">
           <p15:clr>
             <a:srgbClr val="FBAE40"/>
@@ -14718,7 +14718,7 @@
   </p:txStyles>
   <p:extLst mod="1">
     <p:ext uri="{27BBF7A9-308A-43DC-89C8-2F10F3537804}">
-      <p15:sldGuideLst xmlns:p15="http://schemas.microsoft.com/office/powerpoint/2012/main">
+      <p15:sldGuideLst xmlns:p15="http://schemas.microsoft.com/office/powerpoint/2012/main" xmlns="">
         <p15:guide id="0" orient="horz" pos="2160" userDrawn="1">
           <p15:clr>
             <a:srgbClr val="F26B43"/>
@@ -16366,16 +16366,22 @@
             <p:ph idx="1"/>
           </p:nvPr>
         </p:nvSpPr>
-        <p:spPr/>
+        <p:spPr>
+          <a:xfrm>
+            <a:off x="1391323" y="2388046"/>
+            <a:ext cx="9390977" cy="3508977"/>
+          </a:xfrm>
+        </p:spPr>
         <p:txBody>
           <a:bodyPr/>
           <a:lstStyle/>
           <a:p>
             <a:pPr lvl="0"/>
             <a:r>
-              <a:rPr lang="en-US" dirty="0" smtClean="0"/>
-              <a:t>&lt;Insert URL Here&gt;</a:t>
-            </a:r>
+              <a:rPr lang="en-US" dirty="0"/>
+              <a:t>https://www.youtube.com/watch?v=aTIeKp8lBUE&amp;feature=youtu.be</a:t>
+            </a:r>
+            <a:endParaRPr lang="en-US" dirty="0" smtClean="0"/>
           </a:p>
         </p:txBody>
       </p:sp>
@@ -18029,7 +18035,7 @@
     </a:clrScheme>
     <a:fontScheme name="Century Gothic">
       <a:majorFont>
-        <a:latin typeface="Century Gothic" panose="020B0502020202020204"/>
+        <a:latin typeface="Century Gothic"/>
         <a:ea typeface=""/>
         <a:cs typeface=""/>
         <a:font script="Jpan" typeface="ＭＳ ゴシック"/>
@@ -18064,7 +18070,7 @@
         <a:font script="Geor" typeface="Sylfaen"/>
       </a:majorFont>
       <a:minorFont>
-        <a:latin typeface="Century Gothic" panose="020B0502020202020204"/>
+        <a:latin typeface="Century Gothic"/>
         <a:ea typeface=""/>
         <a:cs typeface=""/>
         <a:font script="Jpan" typeface="ＭＳ ゴシック"/>
@@ -18313,7 +18319,7 @@
   <a:extraClrSchemeLst/>
   <a:extLst>
     <a:ext uri="{05A4C25C-085E-4340-85A3-A5531E510DB2}">
-      <thm15:themeFamily xmlns:thm15="http://schemas.microsoft.com/office/thememl/2012/main" name="Product overview presentation" id="{6ACF8B74-772D-4D90-B191-4261B820ED3A}" vid="{C96F654D-C5F0-4A1D-9AEE-172CC6481E1A}"/>
+      <thm15:themeFamily xmlns:thm15="http://schemas.microsoft.com/office/thememl/2012/main" xmlns="" name="Product overview presentation" id="{6ACF8B74-772D-4D90-B191-4261B820ED3A}" vid="{C96F654D-C5F0-4A1D-9AEE-172CC6481E1A}"/>
     </a:ext>
   </a:extLst>
 </a:theme>
@@ -18362,7 +18368,7 @@
     </a:clrScheme>
     <a:fontScheme name="Century Gothic">
       <a:majorFont>
-        <a:latin typeface="Century Gothic" panose="020B0502020202020204"/>
+        <a:latin typeface="Century Gothic"/>
         <a:ea typeface=""/>
         <a:cs typeface=""/>
         <a:font script="Jpan" typeface="ＭＳ ゴシック"/>
@@ -18397,7 +18403,7 @@
         <a:font script="Geor" typeface="Sylfaen"/>
       </a:majorFont>
       <a:minorFont>
-        <a:latin typeface="Century Gothic" panose="020B0502020202020204"/>
+        <a:latin typeface="Century Gothic"/>
         <a:ea typeface=""/>
         <a:cs typeface=""/>
         <a:font script="Jpan" typeface="ＭＳ ゴシック"/>
@@ -18574,7 +18580,7 @@
   <a:extraClrSchemeLst/>
   <a:extLst>
     <a:ext uri="{05A4C25C-085E-4340-85A3-A5531E510DB2}">
-      <thm15:themeFamily xmlns:thm15="http://schemas.microsoft.com/office/thememl/2012/main" name="Office Theme" id="{62F939B6-93AF-4DB8-9C6B-D6C7DFDC589F}" vid="{4A3C46E8-61CC-4603-A589-7422A47A8E4A}"/>
+      <thm15:themeFamily xmlns:thm15="http://schemas.microsoft.com/office/thememl/2012/main" xmlns="" name="Office Theme" id="{62F939B6-93AF-4DB8-9C6B-D6C7DFDC589F}" vid="{4A3C46E8-61CC-4603-A589-7422A47A8E4A}"/>
     </a:ext>
   </a:extLst>
 </a:theme>
@@ -18623,7 +18629,7 @@
     </a:clrScheme>
     <a:fontScheme name="Century Gothic">
       <a:majorFont>
-        <a:latin typeface="Century Gothic" panose="020B0502020202020204"/>
+        <a:latin typeface="Century Gothic"/>
         <a:ea typeface=""/>
         <a:cs typeface=""/>
         <a:font script="Jpan" typeface="ＭＳ ゴシック"/>
@@ -18658,7 +18664,7 @@
         <a:font script="Geor" typeface="Sylfaen"/>
       </a:majorFont>
       <a:minorFont>
-        <a:latin typeface="Century Gothic" panose="020B0502020202020204"/>
+        <a:latin typeface="Century Gothic"/>
         <a:ea typeface=""/>
         <a:cs typeface=""/>
         <a:font script="Jpan" typeface="ＭＳ ゴシック"/>
@@ -18835,7 +18841,7 @@
   <a:extraClrSchemeLst/>
   <a:extLst>
     <a:ext uri="{05A4C25C-085E-4340-85A3-A5531E510DB2}">
-      <thm15:themeFamily xmlns:thm15="http://schemas.microsoft.com/office/thememl/2012/main" name="Office Theme" id="{62F939B6-93AF-4DB8-9C6B-D6C7DFDC589F}" vid="{4A3C46E8-61CC-4603-A589-7422A47A8E4A}"/>
+      <thm15:themeFamily xmlns:thm15="http://schemas.microsoft.com/office/thememl/2012/main" xmlns="" name="Office Theme" id="{62F939B6-93AF-4DB8-9C6B-D6C7DFDC589F}" vid="{4A3C46E8-61CC-4603-A589-7422A47A8E4A}"/>
     </a:ext>
   </a:extLst>
 </a:theme>
